--- a/Networked System and Applications/week19/EENGM0009-Week-19(1).pptx
+++ b/Networked System and Applications/week19/EENGM0009-Week-19(1).pptx
@@ -12139,7 +12139,7 @@
         </p:nvSpPr>
         <p:spPr>
           <a:xfrm>
-            <a:off x="457200" y="1304818"/>
+            <a:off x="-54244" y="1304871"/>
             <a:ext cx="8229600" cy="4821345"/>
           </a:xfrm>
         </p:spPr>
